--- a/Milestone3/Milestone3Presentation.pptx
+++ b/Milestone3/Milestone3Presentation.pptx
@@ -220,6 +220,11 @@
       </a:defRPr>
     </a:lvl9pPr>
   </p:defaultTextStyle>
+  <p:extLst>
+    <p:ext uri="{EFAFB233-063F-42B5-8137-9DF3F51BA10A}">
+      <p15:sldGuideLst xmlns:p15="http://schemas.microsoft.com/office/powerpoint/2012/main"/>
+    </p:ext>
+  </p:extLst>
 </p:presentation>
 </file>
 
@@ -1182,7 +1187,7 @@
   <p:cSld>
     <p:spTree>
       <p:nvGrpSpPr>
-        <p:cNvPr id="1" name="Shape 91"/>
+        <p:cNvPr id="1" name="Shape 68"/>
         <p:cNvGrpSpPr/>
         <p:nvPr/>
       </p:nvGrpSpPr>
@@ -1196,7 +1201,7 @@
       </p:grpSpPr>
       <p:sp>
         <p:nvSpPr>
-          <p:cNvPr id="92" name="Shape 92"/>
+          <p:cNvPr id="69" name="Shape 69"/>
           <p:cNvSpPr txBox="1">
             <a:spLocks noGrp="1"/>
           </p:cNvSpPr>
@@ -1238,7 +1243,7 @@
       </p:sp>
       <p:sp>
         <p:nvSpPr>
-          <p:cNvPr id="93" name="Shape 93"/>
+          <p:cNvPr id="70" name="Shape 70"/>
           <p:cNvSpPr>
             <a:spLocks noGrp="1" noRot="1" noChangeAspect="1"/>
           </p:cNvSpPr>
@@ -1278,6 +1283,11 @@
         </p:spPr>
       </p:sp>
     </p:spTree>
+    <p:extLst>
+      <p:ext uri="{BB962C8B-B14F-4D97-AF65-F5344CB8AC3E}">
+        <p14:creationId xmlns:p14="http://schemas.microsoft.com/office/powerpoint/2010/main" val="150439401"/>
+      </p:ext>
+    </p:extLst>
   </p:cSld>
   <p:clrMapOvr>
     <a:masterClrMapping/>
@@ -8331,7 +8341,7 @@
   <p:cSld>
     <p:spTree>
       <p:nvGrpSpPr>
-        <p:cNvPr id="1" name="Shape 94"/>
+        <p:cNvPr id="1" name="Shape 71"/>
         <p:cNvGrpSpPr/>
         <p:nvPr/>
       </p:nvGrpSpPr>
@@ -8345,7 +8355,7 @@
       </p:grpSpPr>
       <p:pic>
         <p:nvPicPr>
-          <p:cNvPr id="95" name="Shape 95"/>
+          <p:cNvPr id="72" name="Shape 72"/>
           <p:cNvPicPr preferRelativeResize="0"/>
           <p:nvPr/>
         </p:nvPicPr>
@@ -8359,8 +8369,8 @@
         </p:blipFill>
         <p:spPr>
           <a:xfrm>
-            <a:off x="764463" y="152400"/>
-            <a:ext cx="10664658" cy="6553199"/>
+            <a:off x="399096" y="152400"/>
+            <a:ext cx="11395383" cy="6553201"/>
           </a:xfrm>
           <a:prstGeom prst="rect">
             <a:avLst/>
@@ -8372,6 +8382,11 @@
         </p:spPr>
       </p:pic>
     </p:spTree>
+    <p:extLst>
+      <p:ext uri="{BB962C8B-B14F-4D97-AF65-F5344CB8AC3E}">
+        <p14:creationId xmlns:p14="http://schemas.microsoft.com/office/powerpoint/2010/main" val="3615525179"/>
+      </p:ext>
+    </p:extLst>
   </p:cSld>
   <p:clrMapOvr>
     <a:masterClrMapping/>
